--- a/Whiteboard design session/WDS trainer presentation - Data platform upgrade and migration.pptx
+++ b/Whiteboard design session/WDS trainer presentation - Data platform upgrade and migration.pptx
@@ -227,7 +227,7 @@
           <a:p>
             <a:fld id="{52A13B17-C506-4D51-BB37-16B365906619}" type="datetimeFigureOut">
               <a:rPr lang="en-US" smtClean="0"/>
-              <a:t>11/15/2019</a:t>
+              <a:t>6/15/2020</a:t>
             </a:fld>
             <a:endParaRPr lang="en-US" dirty="0"/>
           </a:p>
@@ -6232,7 +6232,7 @@
                   <a:prstClr val="black"/>
                 </a:solidFill>
               </a:rPr>
-              <a:t>11/15/2019 11:59 AM</a:t>
+              <a:t>6/15/2020 5:43 PM</a:t>
             </a:fld>
             <a:endParaRPr lang="en-US" dirty="0">
               <a:solidFill>
@@ -19946,7 +19946,13 @@
       </p:grpSpPr>
       <p:sp>
         <p:nvSpPr>
-          <p:cNvPr id="2" name="Title 1"/>
+          <p:cNvPr id="14" name="Title 13">
+            <a:extLst>
+              <a:ext uri="{FF2B5EF4-FFF2-40B4-BE49-F238E27FC236}">
+                <a16:creationId xmlns:a16="http://schemas.microsoft.com/office/drawing/2014/main" id="{D2BFDAD1-ACF7-40AE-B13A-6D5C9D019BF9}"/>
+              </a:ext>
+            </a:extLst>
+          </p:cNvPr>
           <p:cNvSpPr>
             <a:spLocks noGrp="1"/>
           </p:cNvSpPr>
@@ -19956,34 +19962,13 @@
         </p:nvSpPr>
         <p:spPr/>
         <p:txBody>
-          <a:bodyPr>
-            <a:normAutofit fontScale="90000"/>
-          </a:bodyPr>
+          <a:bodyPr/>
           <a:lstStyle/>
           <a:p>
             <a:r>
-              <a:rPr lang="en-US" sz="4900" dirty="0">
-                <a:solidFill>
-                  <a:schemeClr val="tx1"/>
-                </a:solidFill>
-                <a:cs typeface="Segoe UI" panose="020B0502040204020203" pitchFamily="34" charset="0"/>
-              </a:rPr>
+              <a:rPr lang="en-US" dirty="0"/>
               <a:t>Customer objections</a:t>
             </a:r>
-            <a:br>
-              <a:rPr lang="en-US" dirty="0">
-                <a:solidFill>
-                  <a:schemeClr val="tx1"/>
-                </a:solidFill>
-                <a:latin typeface="Segoe UI" panose="020B0502040204020203" pitchFamily="34" charset="0"/>
-              </a:rPr>
-            </a:br>
-            <a:endParaRPr lang="en-US" sz="3236" dirty="0">
-              <a:solidFill>
-                <a:schemeClr val="tx1"/>
-              </a:solidFill>
-              <a:latin typeface="Segoe UI" panose="020B0502040204020203" pitchFamily="34" charset="0"/>
-            </a:endParaRPr>
           </a:p>
         </p:txBody>
       </p:sp>
@@ -21719,7 +21704,13 @@
       </p:grpSpPr>
       <p:sp>
         <p:nvSpPr>
-          <p:cNvPr id="2" name="Title 1"/>
+          <p:cNvPr id="5" name="Title 4">
+            <a:extLst>
+              <a:ext uri="{FF2B5EF4-FFF2-40B4-BE49-F238E27FC236}">
+                <a16:creationId xmlns:a16="http://schemas.microsoft.com/office/drawing/2014/main" id="{42C2D2F0-8DBB-4BFB-9356-6C09B3DE4D8E}"/>
+              </a:ext>
+            </a:extLst>
+          </p:cNvPr>
           <p:cNvSpPr>
             <a:spLocks noGrp="1"/>
           </p:cNvSpPr>
@@ -21729,34 +21720,13 @@
         </p:nvSpPr>
         <p:spPr/>
         <p:txBody>
-          <a:bodyPr>
-            <a:normAutofit fontScale="90000"/>
-          </a:bodyPr>
+          <a:bodyPr/>
           <a:lstStyle/>
           <a:p>
             <a:r>
-              <a:rPr lang="en-US" sz="4900" dirty="0">
-                <a:solidFill>
-                  <a:schemeClr val="tx1"/>
-                </a:solidFill>
-                <a:cs typeface="Segoe UI" panose="020B0502040204020203" pitchFamily="34" charset="0"/>
-              </a:rPr>
+              <a:rPr lang="en-US" dirty="0"/>
               <a:t>Preferred solution</a:t>
             </a:r>
-            <a:br>
-              <a:rPr lang="en-US" dirty="0">
-                <a:solidFill>
-                  <a:schemeClr val="tx1"/>
-                </a:solidFill>
-                <a:latin typeface="Segoe UI" panose="020B0502040204020203" pitchFamily="34" charset="0"/>
-              </a:rPr>
-            </a:br>
-            <a:endParaRPr lang="en-US" sz="3236" dirty="0">
-              <a:solidFill>
-                <a:schemeClr val="tx1"/>
-              </a:solidFill>
-              <a:latin typeface="Segoe UI" panose="020B0502040204020203" pitchFamily="34" charset="0"/>
-            </a:endParaRPr>
           </a:p>
         </p:txBody>
       </p:sp>
@@ -21896,7 +21866,13 @@
       </p:grpSpPr>
       <p:sp>
         <p:nvSpPr>
-          <p:cNvPr id="2" name="Title 1"/>
+          <p:cNvPr id="6" name="Title 5">
+            <a:extLst>
+              <a:ext uri="{FF2B5EF4-FFF2-40B4-BE49-F238E27FC236}">
+                <a16:creationId xmlns:a16="http://schemas.microsoft.com/office/drawing/2014/main" id="{6A871E8C-BBBA-4BE7-A7DF-71F964F1D243}"/>
+              </a:ext>
+            </a:extLst>
+          </p:cNvPr>
           <p:cNvSpPr>
             <a:spLocks noGrp="1"/>
           </p:cNvSpPr>
@@ -21906,34 +21882,13 @@
         </p:nvSpPr>
         <p:spPr/>
         <p:txBody>
-          <a:bodyPr>
-            <a:normAutofit fontScale="90000"/>
-          </a:bodyPr>
+          <a:bodyPr/>
           <a:lstStyle/>
           <a:p>
             <a:r>
-              <a:rPr lang="en-US" sz="4900" dirty="0">
-                <a:solidFill>
-                  <a:schemeClr val="tx1"/>
-                </a:solidFill>
-                <a:cs typeface="Segoe UI" panose="020B0502040204020203" pitchFamily="34" charset="0"/>
-              </a:rPr>
+              <a:rPr lang="en-US" dirty="0"/>
               <a:t>Preferred solution</a:t>
             </a:r>
-            <a:br>
-              <a:rPr lang="en-US" dirty="0">
-                <a:solidFill>
-                  <a:schemeClr val="tx1"/>
-                </a:solidFill>
-                <a:latin typeface="Segoe UI" panose="020B0502040204020203" pitchFamily="34" charset="0"/>
-              </a:rPr>
-            </a:br>
-            <a:endParaRPr lang="en-US" sz="3236" dirty="0">
-              <a:solidFill>
-                <a:schemeClr val="tx1"/>
-              </a:solidFill>
-              <a:latin typeface="Segoe UI" panose="020B0502040204020203" pitchFamily="34" charset="0"/>
-            </a:endParaRPr>
           </a:p>
         </p:txBody>
       </p:sp>
@@ -22062,7 +22017,13 @@
       </p:grpSpPr>
       <p:sp>
         <p:nvSpPr>
-          <p:cNvPr id="2" name="Title 1"/>
+          <p:cNvPr id="5" name="Title 4">
+            <a:extLst>
+              <a:ext uri="{FF2B5EF4-FFF2-40B4-BE49-F238E27FC236}">
+                <a16:creationId xmlns:a16="http://schemas.microsoft.com/office/drawing/2014/main" id="{A065636D-7D6C-4DAB-A8C0-1D977EAFDDB8}"/>
+              </a:ext>
+            </a:extLst>
+          </p:cNvPr>
           <p:cNvSpPr>
             <a:spLocks noGrp="1"/>
           </p:cNvSpPr>
@@ -22072,34 +22033,13 @@
         </p:nvSpPr>
         <p:spPr/>
         <p:txBody>
-          <a:bodyPr>
-            <a:normAutofit fontScale="90000"/>
-          </a:bodyPr>
+          <a:bodyPr/>
           <a:lstStyle/>
           <a:p>
             <a:r>
-              <a:rPr lang="en-US" sz="4900" dirty="0">
-                <a:solidFill>
-                  <a:schemeClr val="tx1"/>
-                </a:solidFill>
-                <a:cs typeface="Segoe UI" panose="020B0502040204020203" pitchFamily="34" charset="0"/>
-              </a:rPr>
+              <a:rPr lang="en-US" dirty="0"/>
               <a:t>Preferred solution</a:t>
             </a:r>
-            <a:br>
-              <a:rPr lang="en-US" dirty="0">
-                <a:solidFill>
-                  <a:schemeClr val="tx1"/>
-                </a:solidFill>
-                <a:latin typeface="Segoe UI" panose="020B0502040204020203" pitchFamily="34" charset="0"/>
-              </a:rPr>
-            </a:br>
-            <a:endParaRPr lang="en-US" sz="3236" dirty="0">
-              <a:solidFill>
-                <a:schemeClr val="tx1"/>
-              </a:solidFill>
-              <a:latin typeface="Segoe UI" panose="020B0502040204020203" pitchFamily="34" charset="0"/>
-            </a:endParaRPr>
           </a:p>
         </p:txBody>
       </p:sp>
@@ -24955,7 +24895,13 @@
       </p:grpSpPr>
       <p:sp>
         <p:nvSpPr>
-          <p:cNvPr id="2" name="Title 1"/>
+          <p:cNvPr id="6" name="Title 5">
+            <a:extLst>
+              <a:ext uri="{FF2B5EF4-FFF2-40B4-BE49-F238E27FC236}">
+                <a16:creationId xmlns:a16="http://schemas.microsoft.com/office/drawing/2014/main" id="{A84F63B8-A8EC-4231-80B7-CD7A8618A17F}"/>
+              </a:ext>
+            </a:extLst>
+          </p:cNvPr>
           <p:cNvSpPr>
             <a:spLocks noGrp="1"/>
           </p:cNvSpPr>
@@ -24963,41 +24909,15 @@
             <p:ph type="title"/>
           </p:nvPr>
         </p:nvSpPr>
-        <p:spPr>
-          <a:xfrm>
-            <a:off x="269240" y="276064"/>
-            <a:ext cx="11655840" cy="899665"/>
-          </a:xfrm>
-        </p:spPr>
+        <p:spPr/>
         <p:txBody>
-          <a:bodyPr>
-            <a:normAutofit fontScale="90000"/>
-          </a:bodyPr>
+          <a:bodyPr/>
           <a:lstStyle/>
           <a:p>
             <a:r>
-              <a:rPr lang="en-US" sz="4900" dirty="0">
-                <a:solidFill>
-                  <a:schemeClr val="tx1"/>
-                </a:solidFill>
-                <a:cs typeface="Segoe UI" panose="020B0502040204020203" pitchFamily="34" charset="0"/>
-              </a:rPr>
+              <a:rPr lang="en-US" dirty="0"/>
               <a:t>Customer Situation</a:t>
             </a:r>
-            <a:br>
-              <a:rPr lang="en-US" dirty="0">
-                <a:solidFill>
-                  <a:schemeClr val="tx1"/>
-                </a:solidFill>
-                <a:latin typeface="Segoe UI" panose="020B0502040204020203" pitchFamily="34" charset="0"/>
-              </a:rPr>
-            </a:br>
-            <a:endParaRPr lang="en-US" sz="3236" dirty="0">
-              <a:solidFill>
-                <a:schemeClr val="tx1"/>
-              </a:solidFill>
-              <a:latin typeface="Segoe UI" panose="020B0502040204020203" pitchFamily="34" charset="0"/>
-            </a:endParaRPr>
           </a:p>
         </p:txBody>
       </p:sp>
@@ -25632,7 +25552,13 @@
       </p:grpSpPr>
       <p:sp>
         <p:nvSpPr>
-          <p:cNvPr id="2" name="Title 1"/>
+          <p:cNvPr id="5" name="Title 4">
+            <a:extLst>
+              <a:ext uri="{FF2B5EF4-FFF2-40B4-BE49-F238E27FC236}">
+                <a16:creationId xmlns:a16="http://schemas.microsoft.com/office/drawing/2014/main" id="{1C4D1F5C-4D3B-408E-A7CA-EDF4ED9916CD}"/>
+              </a:ext>
+            </a:extLst>
+          </p:cNvPr>
           <p:cNvSpPr>
             <a:spLocks noGrp="1"/>
           </p:cNvSpPr>
@@ -25642,34 +25568,13 @@
         </p:nvSpPr>
         <p:spPr/>
         <p:txBody>
-          <a:bodyPr>
-            <a:normAutofit fontScale="90000"/>
-          </a:bodyPr>
+          <a:bodyPr/>
           <a:lstStyle/>
           <a:p>
             <a:r>
-              <a:rPr lang="en-US" sz="4900" dirty="0">
-                <a:solidFill>
-                  <a:schemeClr val="tx1"/>
-                </a:solidFill>
-                <a:cs typeface="Segoe UI" panose="020B0502040204020203" pitchFamily="34" charset="0"/>
-              </a:rPr>
+              <a:rPr lang="en-US" dirty="0"/>
               <a:t>Customer needs</a:t>
             </a:r>
-            <a:br>
-              <a:rPr lang="en-US" dirty="0">
-                <a:solidFill>
-                  <a:schemeClr val="tx1"/>
-                </a:solidFill>
-                <a:latin typeface="Segoe UI" panose="020B0502040204020203" pitchFamily="34" charset="0"/>
-              </a:rPr>
-            </a:br>
-            <a:endParaRPr lang="en-US" sz="3236" dirty="0">
-              <a:solidFill>
-                <a:schemeClr val="tx1"/>
-              </a:solidFill>
-              <a:latin typeface="Segoe UI" panose="020B0502040204020203" pitchFamily="34" charset="0"/>
-            </a:endParaRPr>
           </a:p>
         </p:txBody>
       </p:sp>
@@ -26106,7 +26011,13 @@
       </p:grpSpPr>
       <p:sp>
         <p:nvSpPr>
-          <p:cNvPr id="2" name="Title 1"/>
+          <p:cNvPr id="5" name="Title 4">
+            <a:extLst>
+              <a:ext uri="{FF2B5EF4-FFF2-40B4-BE49-F238E27FC236}">
+                <a16:creationId xmlns:a16="http://schemas.microsoft.com/office/drawing/2014/main" id="{7A0ED9A0-1D01-4EAA-93C9-799E192D1F08}"/>
+              </a:ext>
+            </a:extLst>
+          </p:cNvPr>
           <p:cNvSpPr>
             <a:spLocks noGrp="1"/>
           </p:cNvSpPr>
@@ -26116,34 +26027,13 @@
         </p:nvSpPr>
         <p:spPr/>
         <p:txBody>
-          <a:bodyPr>
-            <a:normAutofit fontScale="90000"/>
-          </a:bodyPr>
+          <a:bodyPr/>
           <a:lstStyle/>
           <a:p>
             <a:r>
-              <a:rPr lang="en-US" sz="4900" dirty="0">
-                <a:solidFill>
-                  <a:schemeClr val="tx1"/>
-                </a:solidFill>
-                <a:cs typeface="Segoe UI" panose="020B0502040204020203" pitchFamily="34" charset="0"/>
-              </a:rPr>
+              <a:rPr lang="en-US" dirty="0"/>
               <a:t>Customer objections</a:t>
             </a:r>
-            <a:br>
-              <a:rPr lang="en-US" dirty="0">
-                <a:solidFill>
-                  <a:schemeClr val="tx1"/>
-                </a:solidFill>
-                <a:latin typeface="Segoe UI" panose="020B0502040204020203" pitchFamily="34" charset="0"/>
-              </a:rPr>
-            </a:br>
-            <a:endParaRPr lang="en-US" sz="3236" dirty="0">
-              <a:solidFill>
-                <a:schemeClr val="tx1"/>
-              </a:solidFill>
-              <a:latin typeface="Segoe UI" panose="020B0502040204020203" pitchFamily="34" charset="0"/>
-            </a:endParaRPr>
           </a:p>
         </p:txBody>
       </p:sp>

--- a/Whiteboard design session/WDS trainer presentation - Data platform upgrade and migration.pptx
+++ b/Whiteboard design session/WDS trainer presentation - Data platform upgrade and migration.pptx
@@ -227,7 +227,7 @@
           <a:p>
             <a:fld id="{52A13B17-C506-4D51-BB37-16B365906619}" type="datetimeFigureOut">
               <a:rPr lang="en-US" smtClean="0"/>
-              <a:t>6/15/2020</a:t>
+              <a:t>6/20/2020</a:t>
             </a:fld>
             <a:endParaRPr lang="en-US" dirty="0"/>
           </a:p>
@@ -1272,7 +1272,7 @@
             </a:pPr>
             <a:r>
               <a:rPr lang="en-US" dirty="0"/>
-              <a:t>Kathleen Sloan, CIO of World Wide Importers (WWI)</a:t>
+              <a:t>Kathleen Sloan, CIO of Wide World Importers (WWI)</a:t>
             </a:r>
           </a:p>
           <a:p>
@@ -6232,7 +6232,7 @@
                   <a:prstClr val="black"/>
                 </a:solidFill>
               </a:rPr>
-              <a:t>6/15/2020 5:43 PM</a:t>
+              <a:t>6/20/2020 10:25 AM</a:t>
             </a:fld>
             <a:endParaRPr lang="en-US" dirty="0">
               <a:solidFill>
@@ -6465,7 +6465,7 @@
                 <a:latin typeface="+mn-lt"/>
                 <a:cs typeface="Segoe UI" panose="020B0502040204020203" pitchFamily="34" charset="0"/>
               </a:rPr>
-              <a:t>World Wide Importers (WWI) has had huge growth over the last few years</a:t>
+              <a:t>Wide World Importers (WWI) has had huge growth over the last few years</a:t>
             </a:r>
           </a:p>
           <a:p>
@@ -21492,7 +21492,7 @@
           <a:p>
             <a:r>
               <a:rPr lang="en-US" sz="3600" dirty="0"/>
-              <a:t>Kathleen Sloan, CIO of World Wide Importers</a:t>
+              <a:t>Kathleen Sloan, CIO of Wide World Importers</a:t>
             </a:r>
           </a:p>
           <a:p>
@@ -24402,7 +24402,7 @@
                   <a:schemeClr val="tx1"/>
                 </a:solidFill>
               </a:rPr>
-              <a:t>- Kathleen Sloan, CIO of World Wide Importers</a:t>
+              <a:t>- Kathleen Sloan, CIO of Wide World Importers</a:t>
             </a:r>
           </a:p>
           <a:p>
@@ -24769,7 +24769,7 @@
                   <a:schemeClr val="tx1"/>
                 </a:solidFill>
               </a:rPr>
-              <a:t>World Wide Importers experience huge growth</a:t>
+              <a:t>Wide World Importers experience huge growth</a:t>
             </a:r>
           </a:p>
           <a:p>

--- a/Whiteboard design session/WDS trainer presentation - Data platform upgrade and migration.pptx
+++ b/Whiteboard design session/WDS trainer presentation - Data platform upgrade and migration.pptx
@@ -227,7 +227,7 @@
           <a:p>
             <a:fld id="{52A13B17-C506-4D51-BB37-16B365906619}" type="datetimeFigureOut">
               <a:rPr lang="en-US" smtClean="0"/>
-              <a:t>6/20/2020</a:t>
+              <a:t>7/23/2020</a:t>
             </a:fld>
             <a:endParaRPr lang="en-US" dirty="0"/>
           </a:p>
@@ -6232,7 +6232,7 @@
                   <a:prstClr val="black"/>
                 </a:solidFill>
               </a:rPr>
-              <a:t>6/20/2020 10:25 AM</a:t>
+              <a:t>7/23/2020 8:19 PM</a:t>
             </a:fld>
             <a:endParaRPr lang="en-US" dirty="0">
               <a:solidFill>
@@ -19866,8 +19866,34 @@
           <a:lstStyle/>
           <a:p>
             <a:r>
-              <a:rPr lang="en-US" dirty="0"/>
-              <a:t>Data platform upgrade and migration</a:t>
+              <a:rPr lang="en-US" sz="4500" b="0" dirty="0">
+                <a:solidFill>
+                  <a:srgbClr val="D4D4D4"/>
+                </a:solidFill>
+                <a:effectLst/>
+                <a:latin typeface="Consolas" panose="020B0609020204030204" pitchFamily="49" charset="0"/>
+              </a:rPr>
+              <a:t>Migrating Oracle to </a:t>
+            </a:r>
+            <a:r>
+              <a:rPr lang="en-US" sz="4500" b="0">
+                <a:solidFill>
+                  <a:srgbClr val="D4D4D4"/>
+                </a:solidFill>
+                <a:effectLst/>
+                <a:latin typeface="Consolas" panose="020B0609020204030204" pitchFamily="49" charset="0"/>
+              </a:rPr>
+              <a:t>Azure SQL and </a:t>
+            </a:r>
+            <a:r>
+              <a:rPr lang="en-US" sz="4500" b="0" dirty="0">
+                <a:solidFill>
+                  <a:srgbClr val="D4D4D4"/>
+                </a:solidFill>
+                <a:effectLst/>
+                <a:latin typeface="Consolas" panose="020B0609020204030204" pitchFamily="49" charset="0"/>
+              </a:rPr>
+              <a:t>PostgreSQL</a:t>
             </a:r>
           </a:p>
         </p:txBody>
